--- a/plots/Model structure.pptx
+++ b/plots/Model structure.pptx
@@ -245,7 +245,7 @@
           <a:p>
             <a:fld id="{8F6F3955-87B4-F040-B00E-D238DCB6B1D1}" type="datetimeFigureOut">
               <a:rPr lang="es-ES_tradnl" smtClean="0"/>
-              <a:t>21/6/23</a:t>
+              <a:t>9/1/24</a:t>
             </a:fld>
             <a:endParaRPr lang="es-ES_tradnl"/>
           </a:p>
@@ -415,7 +415,7 @@
           <a:p>
             <a:fld id="{8F6F3955-87B4-F040-B00E-D238DCB6B1D1}" type="datetimeFigureOut">
               <a:rPr lang="es-ES_tradnl" smtClean="0"/>
-              <a:t>21/6/23</a:t>
+              <a:t>9/1/24</a:t>
             </a:fld>
             <a:endParaRPr lang="es-ES_tradnl"/>
           </a:p>
@@ -595,7 +595,7 @@
           <a:p>
             <a:fld id="{8F6F3955-87B4-F040-B00E-D238DCB6B1D1}" type="datetimeFigureOut">
               <a:rPr lang="es-ES_tradnl" smtClean="0"/>
-              <a:t>21/6/23</a:t>
+              <a:t>9/1/24</a:t>
             </a:fld>
             <a:endParaRPr lang="es-ES_tradnl"/>
           </a:p>
@@ -765,7 +765,7 @@
           <a:p>
             <a:fld id="{8F6F3955-87B4-F040-B00E-D238DCB6B1D1}" type="datetimeFigureOut">
               <a:rPr lang="es-ES_tradnl" smtClean="0"/>
-              <a:t>21/6/23</a:t>
+              <a:t>9/1/24</a:t>
             </a:fld>
             <a:endParaRPr lang="es-ES_tradnl"/>
           </a:p>
@@ -1011,7 +1011,7 @@
           <a:p>
             <a:fld id="{8F6F3955-87B4-F040-B00E-D238DCB6B1D1}" type="datetimeFigureOut">
               <a:rPr lang="es-ES_tradnl" smtClean="0"/>
-              <a:t>21/6/23</a:t>
+              <a:t>9/1/24</a:t>
             </a:fld>
             <a:endParaRPr lang="es-ES_tradnl"/>
           </a:p>
@@ -1243,7 +1243,7 @@
           <a:p>
             <a:fld id="{8F6F3955-87B4-F040-B00E-D238DCB6B1D1}" type="datetimeFigureOut">
               <a:rPr lang="es-ES_tradnl" smtClean="0"/>
-              <a:t>21/6/23</a:t>
+              <a:t>9/1/24</a:t>
             </a:fld>
             <a:endParaRPr lang="es-ES_tradnl"/>
           </a:p>
@@ -1610,7 +1610,7 @@
           <a:p>
             <a:fld id="{8F6F3955-87B4-F040-B00E-D238DCB6B1D1}" type="datetimeFigureOut">
               <a:rPr lang="es-ES_tradnl" smtClean="0"/>
-              <a:t>21/6/23</a:t>
+              <a:t>9/1/24</a:t>
             </a:fld>
             <a:endParaRPr lang="es-ES_tradnl"/>
           </a:p>
@@ -1728,7 +1728,7 @@
           <a:p>
             <a:fld id="{8F6F3955-87B4-F040-B00E-D238DCB6B1D1}" type="datetimeFigureOut">
               <a:rPr lang="es-ES_tradnl" smtClean="0"/>
-              <a:t>21/6/23</a:t>
+              <a:t>9/1/24</a:t>
             </a:fld>
             <a:endParaRPr lang="es-ES_tradnl"/>
           </a:p>
@@ -1823,7 +1823,7 @@
           <a:p>
             <a:fld id="{8F6F3955-87B4-F040-B00E-D238DCB6B1D1}" type="datetimeFigureOut">
               <a:rPr lang="es-ES_tradnl" smtClean="0"/>
-              <a:t>21/6/23</a:t>
+              <a:t>9/1/24</a:t>
             </a:fld>
             <a:endParaRPr lang="es-ES_tradnl"/>
           </a:p>
@@ -2100,7 +2100,7 @@
           <a:p>
             <a:fld id="{8F6F3955-87B4-F040-B00E-D238DCB6B1D1}" type="datetimeFigureOut">
               <a:rPr lang="es-ES_tradnl" smtClean="0"/>
-              <a:t>21/6/23</a:t>
+              <a:t>9/1/24</a:t>
             </a:fld>
             <a:endParaRPr lang="es-ES_tradnl"/>
           </a:p>
@@ -2357,7 +2357,7 @@
           <a:p>
             <a:fld id="{8F6F3955-87B4-F040-B00E-D238DCB6B1D1}" type="datetimeFigureOut">
               <a:rPr lang="es-ES_tradnl" smtClean="0"/>
-              <a:t>21/6/23</a:t>
+              <a:t>9/1/24</a:t>
             </a:fld>
             <a:endParaRPr lang="es-ES_tradnl"/>
           </a:p>
@@ -2570,7 +2570,7 @@
           <a:p>
             <a:fld id="{8F6F3955-87B4-F040-B00E-D238DCB6B1D1}" type="datetimeFigureOut">
               <a:rPr lang="es-ES_tradnl" smtClean="0"/>
-              <a:t>21/6/23</a:t>
+              <a:t>9/1/24</a:t>
             </a:fld>
             <a:endParaRPr lang="es-ES_tradnl"/>
           </a:p>
@@ -9630,7 +9630,7 @@
         <p:spPr>
           <a:xfrm>
             <a:off x="4361442" y="5783375"/>
-            <a:ext cx="615874" cy="406393"/>
+            <a:ext cx="570990" cy="400110"/>
           </a:xfrm>
           <a:prstGeom prst="rect">
             <a:avLst/>
@@ -9667,7 +9667,7 @@
                 <a:latin typeface="Arial" panose="020B0604020202020204" pitchFamily="34" charset="0"/>
                 <a:cs typeface="Arial" panose="020B0604020202020204" pitchFamily="34" charset="0"/>
               </a:rPr>
-              <a:t>a[y]</a:t>
+              <a:t>a[t]</a:t>
             </a:r>
             <a:endParaRPr lang="es-ES_tradnl" sz="2000" dirty="0">
               <a:solidFill>
@@ -9742,7 +9742,7 @@
         <p:spPr>
           <a:xfrm>
             <a:off x="9019841" y="5789658"/>
-            <a:ext cx="607859" cy="400110"/>
+            <a:ext cx="570990" cy="400110"/>
           </a:xfrm>
           <a:prstGeom prst="rect">
             <a:avLst/>
@@ -9779,7 +9779,7 @@
                 <a:latin typeface="Arial" panose="020B0604020202020204" pitchFamily="34" charset="0"/>
                 <a:cs typeface="Arial" panose="020B0604020202020204" pitchFamily="34" charset="0"/>
               </a:rPr>
-              <a:t>b[y]</a:t>
+              <a:t>b[t]</a:t>
             </a:r>
             <a:endParaRPr lang="es-ES_tradnl" sz="2000" dirty="0">
               <a:solidFill>
@@ -9854,7 +9854,7 @@
         <p:spPr>
           <a:xfrm>
             <a:off x="13643332" y="5789658"/>
-            <a:ext cx="598241" cy="400110"/>
+            <a:ext cx="561372" cy="400110"/>
           </a:xfrm>
           <a:prstGeom prst="rect">
             <a:avLst/>
@@ -9891,7 +9891,7 @@
                 <a:latin typeface="Arial" panose="020B0604020202020204" pitchFamily="34" charset="0"/>
                 <a:cs typeface="Arial" panose="020B0604020202020204" pitchFamily="34" charset="0"/>
               </a:rPr>
-              <a:t>c[y]</a:t>
+              <a:t>c[t]</a:t>
             </a:r>
             <a:endParaRPr lang="es-ES_tradnl" sz="2000" dirty="0">
               <a:solidFill>
@@ -10044,7 +10044,7 @@
         <p:spPr>
           <a:xfrm>
             <a:off x="3430362" y="2553386"/>
-            <a:ext cx="615874" cy="406393"/>
+            <a:ext cx="570990" cy="400110"/>
           </a:xfrm>
           <a:prstGeom prst="rect">
             <a:avLst/>
@@ -10081,7 +10081,7 @@
                 <a:latin typeface="Arial" panose="020B0604020202020204" pitchFamily="34" charset="0"/>
                 <a:cs typeface="Arial" panose="020B0604020202020204" pitchFamily="34" charset="0"/>
               </a:rPr>
-              <a:t>a[y]</a:t>
+              <a:t>a[t]</a:t>
             </a:r>
             <a:endParaRPr lang="es-ES_tradnl" sz="2000" dirty="0">
               <a:solidFill>
@@ -10156,7 +10156,7 @@
         <p:spPr>
           <a:xfrm>
             <a:off x="8070432" y="2553386"/>
-            <a:ext cx="615874" cy="406393"/>
+            <a:ext cx="570990" cy="400110"/>
           </a:xfrm>
           <a:prstGeom prst="rect">
             <a:avLst/>
@@ -10193,7 +10193,7 @@
                 <a:latin typeface="Arial" panose="020B0604020202020204" pitchFamily="34" charset="0"/>
                 <a:cs typeface="Arial" panose="020B0604020202020204" pitchFamily="34" charset="0"/>
               </a:rPr>
-              <a:t>b[y]</a:t>
+              <a:t>b[t]</a:t>
             </a:r>
             <a:endParaRPr lang="es-ES_tradnl" sz="2000" dirty="0">
               <a:solidFill>
@@ -10268,7 +10268,7 @@
         <p:spPr>
           <a:xfrm>
             <a:off x="12655155" y="2557426"/>
-            <a:ext cx="604653" cy="406393"/>
+            <a:ext cx="561372" cy="400110"/>
           </a:xfrm>
           <a:prstGeom prst="rect">
             <a:avLst/>
@@ -10305,7 +10305,7 @@
                 <a:latin typeface="Arial" panose="020B0604020202020204" pitchFamily="34" charset="0"/>
                 <a:cs typeface="Arial" panose="020B0604020202020204" pitchFamily="34" charset="0"/>
               </a:rPr>
-              <a:t>c[y]</a:t>
+              <a:t>c[t]</a:t>
             </a:r>
             <a:endParaRPr lang="es-ES_tradnl" sz="2000" dirty="0">
               <a:solidFill>
@@ -10380,7 +10380,7 @@
         <p:spPr>
           <a:xfrm>
             <a:off x="557637" y="1072484"/>
-            <a:ext cx="542136" cy="406393"/>
+            <a:ext cx="518091" cy="400110"/>
           </a:xfrm>
           <a:prstGeom prst="rect">
             <a:avLst/>
@@ -10413,7 +10413,7 @@
                   </a:schemeClr>
                 </a:solidFill>
               </a:rPr>
-              <a:t>[y]</a:t>
+              <a:t>[t]</a:t>
             </a:r>
             <a:endParaRPr lang="es-ES_tradnl" sz="2000" dirty="0">
               <a:solidFill>
@@ -10440,8 +10440,8 @@
         </p:nvSpPr>
         <p:spPr>
           <a:xfrm>
-            <a:off x="4398032" y="4470536"/>
-            <a:ext cx="418704" cy="400110"/>
+            <a:off x="4430942" y="4464570"/>
+            <a:ext cx="333746" cy="400110"/>
           </a:xfrm>
           <a:prstGeom prst="rect">
             <a:avLst/>
@@ -10466,19 +10466,6 @@
                 <a:cs typeface="Arial" panose="020B0604020202020204" pitchFamily="34" charset="0"/>
               </a:rPr>
               <a:t>α</a:t>
-            </a:r>
-            <a:r>
-              <a:rPr lang="en-US" sz="2000" baseline="-25000" dirty="0">
-                <a:solidFill>
-                  <a:schemeClr val="tx1">
-                    <a:lumMod val="65000"/>
-                    <a:lumOff val="35000"/>
-                  </a:schemeClr>
-                </a:solidFill>
-                <a:latin typeface="Arial" panose="020B0604020202020204" pitchFamily="34" charset="0"/>
-                <a:cs typeface="Arial" panose="020B0604020202020204" pitchFamily="34" charset="0"/>
-              </a:rPr>
-              <a:t>x</a:t>
             </a:r>
             <a:endParaRPr lang="es-ES_tradnl" sz="2000" dirty="0">
               <a:solidFill>
@@ -10507,8 +10494,8 @@
         </p:nvSpPr>
         <p:spPr>
           <a:xfrm>
-            <a:off x="9036352" y="4470536"/>
-            <a:ext cx="418704" cy="400110"/>
+            <a:off x="9156897" y="4470536"/>
+            <a:ext cx="333746" cy="400110"/>
           </a:xfrm>
           <a:prstGeom prst="rect">
             <a:avLst/>
@@ -10533,19 +10520,6 @@
                 <a:cs typeface="Arial" panose="020B0604020202020204" pitchFamily="34" charset="0"/>
               </a:rPr>
               <a:t>α</a:t>
-            </a:r>
-            <a:r>
-              <a:rPr lang="en-US" sz="2000" baseline="-25000" dirty="0">
-                <a:solidFill>
-                  <a:schemeClr val="tx1">
-                    <a:lumMod val="65000"/>
-                    <a:lumOff val="35000"/>
-                  </a:schemeClr>
-                </a:solidFill>
-                <a:latin typeface="Arial" panose="020B0604020202020204" pitchFamily="34" charset="0"/>
-                <a:cs typeface="Arial" panose="020B0604020202020204" pitchFamily="34" charset="0"/>
-              </a:rPr>
-              <a:t>y</a:t>
             </a:r>
             <a:endParaRPr lang="es-ES_tradnl" sz="2000" dirty="0">
               <a:solidFill>
@@ -11001,7 +10975,7 @@
         <p:spPr>
           <a:xfrm>
             <a:off x="1227555" y="3056898"/>
-            <a:ext cx="596638" cy="406393"/>
+            <a:ext cx="551754" cy="400110"/>
           </a:xfrm>
           <a:prstGeom prst="rect">
             <a:avLst/>
@@ -11038,7 +11012,7 @@
                 <a:latin typeface="Arial" panose="020B0604020202020204" pitchFamily="34" charset="0"/>
                 <a:cs typeface="Arial" panose="020B0604020202020204" pitchFamily="34" charset="0"/>
               </a:rPr>
-              <a:t>a[y]</a:t>
+              <a:t>a[t]</a:t>
             </a:r>
             <a:endParaRPr lang="es-ES_tradnl" sz="2000" dirty="0">
               <a:solidFill>
@@ -11068,7 +11042,7 @@
         <p:spPr>
           <a:xfrm>
             <a:off x="5907011" y="3056898"/>
-            <a:ext cx="588623" cy="400110"/>
+            <a:ext cx="551754" cy="400110"/>
           </a:xfrm>
           <a:prstGeom prst="rect">
             <a:avLst/>
@@ -11105,7 +11079,7 @@
                 <a:latin typeface="Arial" panose="020B0604020202020204" pitchFamily="34" charset="0"/>
                 <a:cs typeface="Arial" panose="020B0604020202020204" pitchFamily="34" charset="0"/>
               </a:rPr>
-              <a:t>b[y]</a:t>
+              <a:t>b[t]</a:t>
             </a:r>
             <a:endParaRPr lang="es-ES_tradnl" sz="2000" dirty="0">
               <a:solidFill>
@@ -11135,7 +11109,7 @@
         <p:spPr>
           <a:xfrm>
             <a:off x="10514811" y="3056898"/>
-            <a:ext cx="579005" cy="400110"/>
+            <a:ext cx="542136" cy="400110"/>
           </a:xfrm>
           <a:prstGeom prst="rect">
             <a:avLst/>
@@ -11172,7 +11146,7 @@
                 <a:latin typeface="Arial" panose="020B0604020202020204" pitchFamily="34" charset="0"/>
                 <a:cs typeface="Arial" panose="020B0604020202020204" pitchFamily="34" charset="0"/>
               </a:rPr>
-              <a:t>c[y]</a:t>
+              <a:t>c[t]</a:t>
             </a:r>
             <a:endParaRPr lang="es-ES_tradnl" sz="2000" dirty="0">
               <a:solidFill>
@@ -11461,8 +11435,8 @@
         </p:nvSpPr>
         <p:spPr>
           <a:xfrm>
-            <a:off x="4390839" y="1467991"/>
-            <a:ext cx="418704" cy="400110"/>
+            <a:off x="4430942" y="1478877"/>
+            <a:ext cx="333746" cy="400110"/>
           </a:xfrm>
           <a:prstGeom prst="rect">
             <a:avLst/>
@@ -11487,19 +11461,6 @@
                 <a:cs typeface="Arial" panose="020B0604020202020204" pitchFamily="34" charset="0"/>
               </a:rPr>
               <a:t>α</a:t>
-            </a:r>
-            <a:r>
-              <a:rPr lang="en-US" sz="2000" baseline="-25000" dirty="0">
-                <a:solidFill>
-                  <a:schemeClr val="tx1">
-                    <a:lumMod val="65000"/>
-                    <a:lumOff val="35000"/>
-                  </a:schemeClr>
-                </a:solidFill>
-                <a:latin typeface="Arial" panose="020B0604020202020204" pitchFamily="34" charset="0"/>
-                <a:cs typeface="Arial" panose="020B0604020202020204" pitchFamily="34" charset="0"/>
-              </a:rPr>
-              <a:t>x</a:t>
             </a:r>
             <a:endParaRPr lang="es-ES_tradnl" sz="2000" dirty="0">
               <a:solidFill>
@@ -11528,8 +11489,8 @@
         </p:nvSpPr>
         <p:spPr>
           <a:xfrm>
-            <a:off x="9019841" y="1467991"/>
-            <a:ext cx="418704" cy="400110"/>
+            <a:off x="9156897" y="1478877"/>
+            <a:ext cx="333746" cy="400110"/>
           </a:xfrm>
           <a:prstGeom prst="rect">
             <a:avLst/>
@@ -11554,19 +11515,6 @@
                 <a:cs typeface="Arial" panose="020B0604020202020204" pitchFamily="34" charset="0"/>
               </a:rPr>
               <a:t>α</a:t>
-            </a:r>
-            <a:r>
-              <a:rPr lang="en-US" sz="2000" baseline="-25000" dirty="0">
-                <a:solidFill>
-                  <a:schemeClr val="tx1">
-                    <a:lumMod val="65000"/>
-                    <a:lumOff val="35000"/>
-                  </a:schemeClr>
-                </a:solidFill>
-                <a:latin typeface="Arial" panose="020B0604020202020204" pitchFamily="34" charset="0"/>
-                <a:cs typeface="Arial" panose="020B0604020202020204" pitchFamily="34" charset="0"/>
-              </a:rPr>
-              <a:t>y</a:t>
             </a:r>
             <a:endParaRPr lang="es-ES_tradnl" sz="2000" dirty="0">
               <a:solidFill>
